--- a/EmotionDetection.pptx
+++ b/EmotionDetection.pptx
@@ -140,7 +140,7 @@
       </p15:sldGuideLst>
     </p:ext>
     <p:ext uri="http://customooxmlschemas.google.com/">
-      <go:slidesCustomData xmlns="" xmlns:mc="http://schemas.openxmlformats.org/markup-compatibility/2006" xmlns:mv="urn:schemas-microsoft-com:mac:vml" xmlns:c="http://schemas.openxmlformats.org/drawingml/2006/chart" xmlns:dgm="http://schemas.openxmlformats.org/drawingml/2006/diagram" xmlns:o="urn:schemas-microsoft-com:office:office" xmlns:v="urn:schemas-microsoft-com:vml" xmlns:pvml="urn:schemas-microsoft-com:office:powerpoint" xmlns:com="http://schemas.openxmlformats.org/drawingml/2006/compatibility" xmlns:p14="http://schemas.microsoft.com/office/powerpoint/2010/main" xmlns:p15="http://schemas.microsoft.com/office/powerpoint/2012/main" xmlns:ahyp="http://schemas.microsoft.com/office/drawing/2018/hyperlinkcolor" xmlns:go="http://customooxmlschemas.google.com/" r:id="rId36" roundtripDataSignature="AMtx7miGgDoiva4z+C+cfK004YbnB/8VVQ=="/>
+      <go:slidesCustomData xmlns:go="http://customooxmlschemas.google.com/" xmlns:ahyp="http://schemas.microsoft.com/office/drawing/2018/hyperlinkcolor" xmlns:p15="http://schemas.microsoft.com/office/powerpoint/2012/main" xmlns:p14="http://schemas.microsoft.com/office/powerpoint/2010/main" xmlns:com="http://schemas.openxmlformats.org/drawingml/2006/compatibility" xmlns:pvml="urn:schemas-microsoft-com:office:powerpoint" xmlns:v="urn:schemas-microsoft-com:vml" xmlns:o="urn:schemas-microsoft-com:office:office" xmlns:dgm="http://schemas.openxmlformats.org/drawingml/2006/diagram" xmlns:c="http://schemas.openxmlformats.org/drawingml/2006/chart" xmlns:mv="urn:schemas-microsoft-com:mac:vml" xmlns:mc="http://schemas.openxmlformats.org/markup-compatibility/2006" xmlns="" r:id="rId36" roundtripDataSignature="AMtx7miGgDoiva4z+C+cfK004YbnB/8VVQ=="/>
     </p:ext>
   </p:extLst>
 </p:presentation>
@@ -1603,7 +1603,7 @@
               </a:spcAft>
               <a:buNone/>
             </a:pPr>
-            <a:endParaRPr/>
+            <a:endParaRPr dirty="0"/>
           </a:p>
         </p:txBody>
       </p:sp>
@@ -10061,51 +10061,670 @@
       </p:sp>
       <p:pic>
         <p:nvPicPr>
-          <p:cNvPr id="3074" name="Picture 2" descr="Top: The CNN trained for the task of full face detection. Bottom: The... |  Download Scientific Diagram">
+          <p:cNvPr id="3" name="Picture 2">
             <a:extLst>
               <a:ext uri="{FF2B5EF4-FFF2-40B4-BE49-F238E27FC236}">
-                <a16:creationId xmlns:a16="http://schemas.microsoft.com/office/drawing/2014/main" id="{B039F285-D6A1-FC1B-80A3-CD864521B95C}"/>
+                <a16:creationId xmlns:a16="http://schemas.microsoft.com/office/drawing/2014/main" id="{3D2B1CCB-FE59-42E4-BFBB-A8C6675C49D5}"/>
               </a:ext>
             </a:extLst>
           </p:cNvPr>
           <p:cNvPicPr>
-            <a:picLocks noChangeAspect="1" noChangeArrowheads="1"/>
+            <a:picLocks noChangeAspect="1"/>
           </p:cNvPicPr>
           <p:nvPr/>
         </p:nvPicPr>
         <p:blipFill>
-          <a:blip r:embed="rId3">
-            <a:extLst>
-              <a:ext uri="{28A0092B-C50C-407E-A947-70E740481C1C}">
-                <a14:useLocalDpi xmlns:a14="http://schemas.microsoft.com/office/drawing/2010/main" val="0"/>
-              </a:ext>
-            </a:extLst>
-          </a:blip>
-          <a:srcRect/>
+          <a:blip r:embed="rId3"/>
           <a:stretch>
             <a:fillRect/>
           </a:stretch>
         </p:blipFill>
-        <p:spPr bwMode="auto">
+        <p:spPr>
           <a:xfrm>
-            <a:off x="838199" y="3413405"/>
-            <a:ext cx="8981308" cy="3444595"/>
+            <a:off x="0" y="3963098"/>
+            <a:ext cx="12192000" cy="2078263"/>
+          </a:xfrm>
+          <a:prstGeom prst="rect">
+            <a:avLst/>
+          </a:prstGeom>
+        </p:spPr>
+      </p:pic>
+      <p:sp>
+        <p:nvSpPr>
+          <p:cNvPr id="20" name="Left Bracket 19">
+            <a:extLst>
+              <a:ext uri="{FF2B5EF4-FFF2-40B4-BE49-F238E27FC236}">
+                <a16:creationId xmlns:a16="http://schemas.microsoft.com/office/drawing/2014/main" id="{ABDE774B-BD72-4B67-9E23-6576E4C0039D}"/>
+              </a:ext>
+            </a:extLst>
+          </p:cNvPr>
+          <p:cNvSpPr/>
+          <p:nvPr/>
+        </p:nvSpPr>
+        <p:spPr>
+          <a:xfrm rot="5400000">
+            <a:off x="694199" y="3282729"/>
+            <a:ext cx="288000" cy="1526370"/>
+          </a:xfrm>
+          <a:prstGeom prst="leftBracket">
+            <a:avLst/>
+          </a:prstGeom>
+        </p:spPr>
+        <p:style>
+          <a:lnRef idx="3">
+            <a:schemeClr val="accent5"/>
+          </a:lnRef>
+          <a:fillRef idx="0">
+            <a:schemeClr val="accent5"/>
+          </a:fillRef>
+          <a:effectRef idx="2">
+            <a:schemeClr val="accent5"/>
+          </a:effectRef>
+          <a:fontRef idx="minor">
+            <a:schemeClr val="tx1"/>
+          </a:fontRef>
+        </p:style>
+        <p:txBody>
+          <a:bodyPr rtlCol="0" anchor="ctr"/>
+          <a:lstStyle/>
+          <a:p>
+            <a:pPr algn="ctr"/>
+            <a:endParaRPr lang="LID4096" dirty="0">
+              <a:ln w="0"/>
+              <a:effectLst>
+                <a:outerShdw blurRad="38100" dist="19050" dir="2700000" algn="tl" rotWithShape="0">
+                  <a:schemeClr val="dk1">
+                    <a:alpha val="40000"/>
+                  </a:schemeClr>
+                </a:outerShdw>
+              </a:effectLst>
+            </a:endParaRPr>
+          </a:p>
+        </p:txBody>
+      </p:sp>
+      <p:sp>
+        <p:nvSpPr>
+          <p:cNvPr id="21" name="TextBox 20">
+            <a:extLst>
+              <a:ext uri="{FF2B5EF4-FFF2-40B4-BE49-F238E27FC236}">
+                <a16:creationId xmlns:a16="http://schemas.microsoft.com/office/drawing/2014/main" id="{F89A2AA4-E113-43D8-9F9E-46DDEC4A5A9F}"/>
+              </a:ext>
+            </a:extLst>
+          </p:cNvPr>
+          <p:cNvSpPr txBox="1"/>
+          <p:nvPr/>
+        </p:nvSpPr>
+        <p:spPr>
+          <a:xfrm>
+            <a:off x="380381" y="3550799"/>
+            <a:ext cx="915635" cy="400110"/>
           </a:xfrm>
           <a:prstGeom prst="rect">
             <a:avLst/>
           </a:prstGeom>
           <a:noFill/>
-          <a:extLst>
-            <a:ext uri="{909E8E84-426E-40DD-AFC4-6F175D3DCCD1}">
-              <a14:hiddenFill xmlns:a14="http://schemas.microsoft.com/office/drawing/2010/main">
-                <a:solidFill>
-                  <a:srgbClr val="FFFFFF"/>
-                </a:solidFill>
-              </a14:hiddenFill>
-            </a:ext>
-          </a:extLst>
         </p:spPr>
-      </p:pic>
+        <p:txBody>
+          <a:bodyPr wrap="none" rtlCol="0">
+            <a:spAutoFit/>
+          </a:bodyPr>
+          <a:lstStyle/>
+          <a:p>
+            <a:r>
+              <a:rPr lang="en-US" sz="2000" dirty="0">
+                <a:solidFill>
+                  <a:srgbClr val="FF0000"/>
+                </a:solidFill>
+                <a:latin typeface="Assistant" panose="00000500000000000000" pitchFamily="2" charset="-79"/>
+                <a:cs typeface="Assistant" panose="00000500000000000000" pitchFamily="2" charset="-79"/>
+              </a:rPr>
+              <a:t>Conv 1</a:t>
+            </a:r>
+            <a:endParaRPr lang="LID4096" sz="2000" dirty="0">
+              <a:solidFill>
+                <a:srgbClr val="FF0000"/>
+              </a:solidFill>
+              <a:latin typeface="Assistant" panose="00000500000000000000" pitchFamily="2" charset="-79"/>
+              <a:cs typeface="Assistant" panose="00000500000000000000" pitchFamily="2" charset="-79"/>
+            </a:endParaRPr>
+          </a:p>
+        </p:txBody>
+      </p:sp>
+      <p:sp>
+        <p:nvSpPr>
+          <p:cNvPr id="26" name="Left Bracket 25">
+            <a:extLst>
+              <a:ext uri="{FF2B5EF4-FFF2-40B4-BE49-F238E27FC236}">
+                <a16:creationId xmlns:a16="http://schemas.microsoft.com/office/drawing/2014/main" id="{9C866701-FFDA-4D38-ACE6-4F5830584C31}"/>
+              </a:ext>
+            </a:extLst>
+          </p:cNvPr>
+          <p:cNvSpPr/>
+          <p:nvPr/>
+        </p:nvSpPr>
+        <p:spPr>
+          <a:xfrm rot="16200000">
+            <a:off x="1949853" y="4875067"/>
+            <a:ext cx="288000" cy="1280413"/>
+          </a:xfrm>
+          <a:prstGeom prst="leftBracket">
+            <a:avLst/>
+          </a:prstGeom>
+        </p:spPr>
+        <p:style>
+          <a:lnRef idx="3">
+            <a:schemeClr val="accent5"/>
+          </a:lnRef>
+          <a:fillRef idx="0">
+            <a:schemeClr val="accent5"/>
+          </a:fillRef>
+          <a:effectRef idx="2">
+            <a:schemeClr val="accent5"/>
+          </a:effectRef>
+          <a:fontRef idx="minor">
+            <a:schemeClr val="tx1"/>
+          </a:fontRef>
+        </p:style>
+        <p:txBody>
+          <a:bodyPr rtlCol="0" anchor="ctr"/>
+          <a:lstStyle/>
+          <a:p>
+            <a:pPr algn="ctr"/>
+            <a:endParaRPr lang="LID4096" dirty="0">
+              <a:ln w="0"/>
+              <a:effectLst>
+                <a:outerShdw blurRad="38100" dist="19050" dir="2700000" algn="tl" rotWithShape="0">
+                  <a:schemeClr val="dk1">
+                    <a:alpha val="40000"/>
+                  </a:schemeClr>
+                </a:outerShdw>
+              </a:effectLst>
+            </a:endParaRPr>
+          </a:p>
+        </p:txBody>
+      </p:sp>
+      <p:sp>
+        <p:nvSpPr>
+          <p:cNvPr id="27" name="TextBox 26">
+            <a:extLst>
+              <a:ext uri="{FF2B5EF4-FFF2-40B4-BE49-F238E27FC236}">
+                <a16:creationId xmlns:a16="http://schemas.microsoft.com/office/drawing/2014/main" id="{BF2D791C-5C0B-42FB-A742-FE9E5F78AB80}"/>
+              </a:ext>
+            </a:extLst>
+          </p:cNvPr>
+          <p:cNvSpPr txBox="1"/>
+          <p:nvPr/>
+        </p:nvSpPr>
+        <p:spPr>
+          <a:xfrm>
+            <a:off x="1636035" y="5315218"/>
+            <a:ext cx="915635" cy="400110"/>
+          </a:xfrm>
+          <a:prstGeom prst="rect">
+            <a:avLst/>
+          </a:prstGeom>
+          <a:noFill/>
+        </p:spPr>
+        <p:txBody>
+          <a:bodyPr wrap="square" rtlCol="0">
+            <a:spAutoFit/>
+          </a:bodyPr>
+          <a:lstStyle/>
+          <a:p>
+            <a:r>
+              <a:rPr lang="en-US" sz="2000" dirty="0">
+                <a:solidFill>
+                  <a:srgbClr val="FF0000"/>
+                </a:solidFill>
+                <a:latin typeface="Assistant" panose="00000500000000000000" pitchFamily="2" charset="-79"/>
+                <a:cs typeface="Assistant" panose="00000500000000000000" pitchFamily="2" charset="-79"/>
+              </a:rPr>
+              <a:t>Conv 2</a:t>
+            </a:r>
+            <a:endParaRPr lang="LID4096" sz="2000" dirty="0">
+              <a:solidFill>
+                <a:srgbClr val="FF0000"/>
+              </a:solidFill>
+              <a:latin typeface="Assistant" panose="00000500000000000000" pitchFamily="2" charset="-79"/>
+              <a:cs typeface="Assistant" panose="00000500000000000000" pitchFamily="2" charset="-79"/>
+            </a:endParaRPr>
+          </a:p>
+        </p:txBody>
+      </p:sp>
+      <p:sp>
+        <p:nvSpPr>
+          <p:cNvPr id="28" name="Left Bracket 27">
+            <a:extLst>
+              <a:ext uri="{FF2B5EF4-FFF2-40B4-BE49-F238E27FC236}">
+                <a16:creationId xmlns:a16="http://schemas.microsoft.com/office/drawing/2014/main" id="{73AB6E53-6D0D-4F9F-B327-A9B303B3BD9C}"/>
+              </a:ext>
+            </a:extLst>
+          </p:cNvPr>
+          <p:cNvSpPr/>
+          <p:nvPr/>
+        </p:nvSpPr>
+        <p:spPr>
+          <a:xfrm rot="5400000">
+            <a:off x="3567848" y="3827412"/>
+            <a:ext cx="140692" cy="1428705"/>
+          </a:xfrm>
+          <a:prstGeom prst="leftBracket">
+            <a:avLst/>
+          </a:prstGeom>
+        </p:spPr>
+        <p:style>
+          <a:lnRef idx="3">
+            <a:schemeClr val="accent5"/>
+          </a:lnRef>
+          <a:fillRef idx="0">
+            <a:schemeClr val="accent5"/>
+          </a:fillRef>
+          <a:effectRef idx="2">
+            <a:schemeClr val="accent5"/>
+          </a:effectRef>
+          <a:fontRef idx="minor">
+            <a:schemeClr val="tx1"/>
+          </a:fontRef>
+        </p:style>
+        <p:txBody>
+          <a:bodyPr rtlCol="0" anchor="ctr"/>
+          <a:lstStyle/>
+          <a:p>
+            <a:pPr algn="ctr"/>
+            <a:endParaRPr lang="LID4096" dirty="0">
+              <a:ln w="0"/>
+              <a:effectLst>
+                <a:outerShdw blurRad="38100" dist="19050" dir="2700000" algn="tl" rotWithShape="0">
+                  <a:schemeClr val="dk1">
+                    <a:alpha val="40000"/>
+                  </a:schemeClr>
+                </a:outerShdw>
+              </a:effectLst>
+            </a:endParaRPr>
+          </a:p>
+        </p:txBody>
+      </p:sp>
+      <p:sp>
+        <p:nvSpPr>
+          <p:cNvPr id="29" name="TextBox 28">
+            <a:extLst>
+              <a:ext uri="{FF2B5EF4-FFF2-40B4-BE49-F238E27FC236}">
+                <a16:creationId xmlns:a16="http://schemas.microsoft.com/office/drawing/2014/main" id="{B0C6E0DF-8D11-49AF-8CCD-460E3B408C83}"/>
+              </a:ext>
+            </a:extLst>
+          </p:cNvPr>
+          <p:cNvSpPr txBox="1"/>
+          <p:nvPr/>
+        </p:nvSpPr>
+        <p:spPr>
+          <a:xfrm>
+            <a:off x="3180376" y="4124055"/>
+            <a:ext cx="915635" cy="400110"/>
+          </a:xfrm>
+          <a:prstGeom prst="rect">
+            <a:avLst/>
+          </a:prstGeom>
+          <a:noFill/>
+        </p:spPr>
+        <p:txBody>
+          <a:bodyPr wrap="square" rtlCol="0">
+            <a:spAutoFit/>
+          </a:bodyPr>
+          <a:lstStyle/>
+          <a:p>
+            <a:r>
+              <a:rPr lang="en-US" sz="2000" dirty="0">
+                <a:solidFill>
+                  <a:srgbClr val="FF0000"/>
+                </a:solidFill>
+                <a:latin typeface="Assistant" panose="00000500000000000000" pitchFamily="2" charset="-79"/>
+                <a:cs typeface="Assistant" panose="00000500000000000000" pitchFamily="2" charset="-79"/>
+              </a:rPr>
+              <a:t>Conv 3</a:t>
+            </a:r>
+            <a:endParaRPr lang="LID4096" sz="2000" dirty="0">
+              <a:solidFill>
+                <a:srgbClr val="FF0000"/>
+              </a:solidFill>
+              <a:latin typeface="Assistant" panose="00000500000000000000" pitchFamily="2" charset="-79"/>
+              <a:cs typeface="Assistant" panose="00000500000000000000" pitchFamily="2" charset="-79"/>
+            </a:endParaRPr>
+          </a:p>
+        </p:txBody>
+      </p:sp>
+      <p:sp>
+        <p:nvSpPr>
+          <p:cNvPr id="30" name="Left Bracket 29">
+            <a:extLst>
+              <a:ext uri="{FF2B5EF4-FFF2-40B4-BE49-F238E27FC236}">
+                <a16:creationId xmlns:a16="http://schemas.microsoft.com/office/drawing/2014/main" id="{893FCB25-FBA8-4DC3-B4E7-5F54B106FDC4}"/>
+              </a:ext>
+            </a:extLst>
+          </p:cNvPr>
+          <p:cNvSpPr/>
+          <p:nvPr/>
+        </p:nvSpPr>
+        <p:spPr>
+          <a:xfrm rot="5400000">
+            <a:off x="5618778" y="3254020"/>
+            <a:ext cx="140694" cy="2575492"/>
+          </a:xfrm>
+          <a:prstGeom prst="leftBracket">
+            <a:avLst/>
+          </a:prstGeom>
+        </p:spPr>
+        <p:style>
+          <a:lnRef idx="3">
+            <a:schemeClr val="accent5"/>
+          </a:lnRef>
+          <a:fillRef idx="0">
+            <a:schemeClr val="accent5"/>
+          </a:fillRef>
+          <a:effectRef idx="2">
+            <a:schemeClr val="accent5"/>
+          </a:effectRef>
+          <a:fontRef idx="minor">
+            <a:schemeClr val="tx1"/>
+          </a:fontRef>
+        </p:style>
+        <p:txBody>
+          <a:bodyPr rtlCol="0" anchor="ctr"/>
+          <a:lstStyle/>
+          <a:p>
+            <a:pPr algn="ctr"/>
+            <a:endParaRPr lang="LID4096" dirty="0">
+              <a:ln w="0"/>
+              <a:effectLst>
+                <a:outerShdw blurRad="38100" dist="19050" dir="2700000" algn="tl" rotWithShape="0">
+                  <a:schemeClr val="dk1">
+                    <a:alpha val="40000"/>
+                  </a:schemeClr>
+                </a:outerShdw>
+              </a:effectLst>
+            </a:endParaRPr>
+          </a:p>
+        </p:txBody>
+      </p:sp>
+      <p:sp>
+        <p:nvSpPr>
+          <p:cNvPr id="31" name="TextBox 30">
+            <a:extLst>
+              <a:ext uri="{FF2B5EF4-FFF2-40B4-BE49-F238E27FC236}">
+                <a16:creationId xmlns:a16="http://schemas.microsoft.com/office/drawing/2014/main" id="{AF73221D-8C84-4BDA-813C-1AAA74D67D7D}"/>
+              </a:ext>
+            </a:extLst>
+          </p:cNvPr>
+          <p:cNvSpPr txBox="1"/>
+          <p:nvPr/>
+        </p:nvSpPr>
+        <p:spPr>
+          <a:xfrm>
+            <a:off x="5231307" y="4064467"/>
+            <a:ext cx="915635" cy="400113"/>
+          </a:xfrm>
+          <a:prstGeom prst="rect">
+            <a:avLst/>
+          </a:prstGeom>
+          <a:noFill/>
+        </p:spPr>
+        <p:txBody>
+          <a:bodyPr wrap="square" rtlCol="0">
+            <a:spAutoFit/>
+          </a:bodyPr>
+          <a:lstStyle/>
+          <a:p>
+            <a:r>
+              <a:rPr lang="en-US" sz="2000" dirty="0">
+                <a:solidFill>
+                  <a:srgbClr val="FF0000"/>
+                </a:solidFill>
+                <a:latin typeface="Assistant" panose="00000500000000000000" pitchFamily="2" charset="-79"/>
+                <a:cs typeface="Assistant" panose="00000500000000000000" pitchFamily="2" charset="-79"/>
+              </a:rPr>
+              <a:t>Conv 4</a:t>
+            </a:r>
+            <a:endParaRPr lang="LID4096" sz="2000" dirty="0">
+              <a:solidFill>
+                <a:srgbClr val="FF0000"/>
+              </a:solidFill>
+              <a:latin typeface="Assistant" panose="00000500000000000000" pitchFamily="2" charset="-79"/>
+              <a:cs typeface="Assistant" panose="00000500000000000000" pitchFamily="2" charset="-79"/>
+            </a:endParaRPr>
+          </a:p>
+        </p:txBody>
+      </p:sp>
+      <p:sp>
+        <p:nvSpPr>
+          <p:cNvPr id="32" name="TextBox 31">
+            <a:extLst>
+              <a:ext uri="{FF2B5EF4-FFF2-40B4-BE49-F238E27FC236}">
+                <a16:creationId xmlns:a16="http://schemas.microsoft.com/office/drawing/2014/main" id="{6CCD6D53-0A7C-4C2C-BF37-3E0A2346E485}"/>
+              </a:ext>
+            </a:extLst>
+          </p:cNvPr>
+          <p:cNvSpPr txBox="1"/>
+          <p:nvPr/>
+        </p:nvSpPr>
+        <p:spPr>
+          <a:xfrm>
+            <a:off x="8047355" y="4341707"/>
+            <a:ext cx="986918" cy="400110"/>
+          </a:xfrm>
+          <a:prstGeom prst="rect">
+            <a:avLst/>
+          </a:prstGeom>
+          <a:noFill/>
+        </p:spPr>
+        <p:txBody>
+          <a:bodyPr wrap="square" rtlCol="0">
+            <a:spAutoFit/>
+          </a:bodyPr>
+          <a:lstStyle/>
+          <a:p>
+            <a:r>
+              <a:rPr lang="en-US" sz="2000" dirty="0">
+                <a:latin typeface="Assistant" panose="00000500000000000000" pitchFamily="2" charset="-79"/>
+                <a:cs typeface="Assistant" panose="00000500000000000000" pitchFamily="2" charset="-79"/>
+              </a:rPr>
+              <a:t>Flatten</a:t>
+            </a:r>
+            <a:endParaRPr lang="LID4096" sz="2000" dirty="0">
+              <a:latin typeface="Assistant" panose="00000500000000000000" pitchFamily="2" charset="-79"/>
+              <a:cs typeface="Assistant" panose="00000500000000000000" pitchFamily="2" charset="-79"/>
+            </a:endParaRPr>
+          </a:p>
+        </p:txBody>
+      </p:sp>
+      <p:sp>
+        <p:nvSpPr>
+          <p:cNvPr id="33" name="Left Bracket 32">
+            <a:extLst>
+              <a:ext uri="{FF2B5EF4-FFF2-40B4-BE49-F238E27FC236}">
+                <a16:creationId xmlns:a16="http://schemas.microsoft.com/office/drawing/2014/main" id="{2D4F538D-1658-49F0-9536-06D32C51864D}"/>
+              </a:ext>
+            </a:extLst>
+          </p:cNvPr>
+          <p:cNvSpPr/>
+          <p:nvPr/>
+        </p:nvSpPr>
+        <p:spPr>
+          <a:xfrm rot="16200000">
+            <a:off x="10829776" y="4047971"/>
+            <a:ext cx="109267" cy="2017781"/>
+          </a:xfrm>
+          <a:prstGeom prst="leftBracket">
+            <a:avLst/>
+          </a:prstGeom>
+        </p:spPr>
+        <p:style>
+          <a:lnRef idx="3">
+            <a:schemeClr val="accent5"/>
+          </a:lnRef>
+          <a:fillRef idx="0">
+            <a:schemeClr val="accent5"/>
+          </a:fillRef>
+          <a:effectRef idx="2">
+            <a:schemeClr val="accent5"/>
+          </a:effectRef>
+          <a:fontRef idx="minor">
+            <a:schemeClr val="tx1"/>
+          </a:fontRef>
+        </p:style>
+        <p:txBody>
+          <a:bodyPr rtlCol="0" anchor="ctr"/>
+          <a:lstStyle/>
+          <a:p>
+            <a:pPr algn="ctr"/>
+            <a:endParaRPr lang="LID4096" dirty="0">
+              <a:ln w="0"/>
+              <a:effectLst>
+                <a:outerShdw blurRad="38100" dist="19050" dir="2700000" algn="tl" rotWithShape="0">
+                  <a:schemeClr val="dk1">
+                    <a:alpha val="40000"/>
+                  </a:schemeClr>
+                </a:outerShdw>
+              </a:effectLst>
+            </a:endParaRPr>
+          </a:p>
+        </p:txBody>
+      </p:sp>
+      <p:sp>
+        <p:nvSpPr>
+          <p:cNvPr id="34" name="TextBox 33">
+            <a:extLst>
+              <a:ext uri="{FF2B5EF4-FFF2-40B4-BE49-F238E27FC236}">
+                <a16:creationId xmlns:a16="http://schemas.microsoft.com/office/drawing/2014/main" id="{F61ED8A3-3905-4E18-AADE-A71CD37E03A3}"/>
+              </a:ext>
+            </a:extLst>
+          </p:cNvPr>
+          <p:cNvSpPr txBox="1"/>
+          <p:nvPr/>
+        </p:nvSpPr>
+        <p:spPr>
+          <a:xfrm>
+            <a:off x="10403330" y="5115163"/>
+            <a:ext cx="1185660" cy="400110"/>
+          </a:xfrm>
+          <a:prstGeom prst="rect">
+            <a:avLst/>
+          </a:prstGeom>
+          <a:noFill/>
+        </p:spPr>
+        <p:txBody>
+          <a:bodyPr wrap="square" rtlCol="0">
+            <a:spAutoFit/>
+          </a:bodyPr>
+          <a:lstStyle/>
+          <a:p>
+            <a:r>
+              <a:rPr lang="en-US" sz="2000" dirty="0">
+                <a:solidFill>
+                  <a:srgbClr val="FF0000"/>
+                </a:solidFill>
+                <a:latin typeface="Assistant" panose="00000500000000000000" pitchFamily="2" charset="-79"/>
+                <a:cs typeface="Assistant" panose="00000500000000000000" pitchFamily="2" charset="-79"/>
+              </a:rPr>
+              <a:t>Dense X3</a:t>
+            </a:r>
+            <a:endParaRPr lang="LID4096" sz="2000" dirty="0">
+              <a:solidFill>
+                <a:srgbClr val="FF0000"/>
+              </a:solidFill>
+              <a:latin typeface="Assistant" panose="00000500000000000000" pitchFamily="2" charset="-79"/>
+              <a:cs typeface="Assistant" panose="00000500000000000000" pitchFamily="2" charset="-79"/>
+            </a:endParaRPr>
+          </a:p>
+        </p:txBody>
+      </p:sp>
+      <p:cxnSp>
+        <p:nvCxnSpPr>
+          <p:cNvPr id="23" name="Straight Arrow Connector 22">
+            <a:extLst>
+              <a:ext uri="{FF2B5EF4-FFF2-40B4-BE49-F238E27FC236}">
+                <a16:creationId xmlns:a16="http://schemas.microsoft.com/office/drawing/2014/main" id="{F5C78A98-B6B7-452F-A37A-35D6E6C69A06}"/>
+              </a:ext>
+            </a:extLst>
+          </p:cNvPr>
+          <p:cNvCxnSpPr>
+            <a:cxnSpLocks/>
+          </p:cNvCxnSpPr>
+          <p:nvPr/>
+        </p:nvCxnSpPr>
+        <p:spPr>
+          <a:xfrm>
+            <a:off x="11305167" y="4324110"/>
+            <a:ext cx="719193" cy="417707"/>
+          </a:xfrm>
+          <a:prstGeom prst="straightConnector1">
+            <a:avLst/>
+          </a:prstGeom>
+          <a:ln>
+            <a:tailEnd type="triangle"/>
+          </a:ln>
+        </p:spPr>
+        <p:style>
+          <a:lnRef idx="1">
+            <a:schemeClr val="accent1"/>
+          </a:lnRef>
+          <a:fillRef idx="0">
+            <a:schemeClr val="accent1"/>
+          </a:fillRef>
+          <a:effectRef idx="0">
+            <a:schemeClr val="accent1"/>
+          </a:effectRef>
+          <a:fontRef idx="minor">
+            <a:schemeClr val="tx1"/>
+          </a:fontRef>
+        </p:style>
+      </p:cxnSp>
+      <p:sp>
+        <p:nvSpPr>
+          <p:cNvPr id="39" name="TextBox 38">
+            <a:extLst>
+              <a:ext uri="{FF2B5EF4-FFF2-40B4-BE49-F238E27FC236}">
+                <a16:creationId xmlns:a16="http://schemas.microsoft.com/office/drawing/2014/main" id="{D61B625F-A625-4D15-9415-B7D04A915BA7}"/>
+              </a:ext>
+            </a:extLst>
+          </p:cNvPr>
+          <p:cNvSpPr txBox="1"/>
+          <p:nvPr/>
+        </p:nvSpPr>
+        <p:spPr>
+          <a:xfrm>
+            <a:off x="10519160" y="4006374"/>
+            <a:ext cx="1185660" cy="400110"/>
+          </a:xfrm>
+          <a:prstGeom prst="rect">
+            <a:avLst/>
+          </a:prstGeom>
+          <a:noFill/>
+        </p:spPr>
+        <p:txBody>
+          <a:bodyPr wrap="square" rtlCol="0">
+            <a:spAutoFit/>
+          </a:bodyPr>
+          <a:lstStyle/>
+          <a:p>
+            <a:r>
+              <a:rPr lang="en-US" sz="2000" dirty="0">
+                <a:solidFill>
+                  <a:schemeClr val="accent1"/>
+                </a:solidFill>
+                <a:latin typeface="Assistant" panose="00000500000000000000" pitchFamily="2" charset="-79"/>
+                <a:cs typeface="Assistant" panose="00000500000000000000" pitchFamily="2" charset="-79"/>
+              </a:rPr>
+              <a:t>Softmax</a:t>
+            </a:r>
+            <a:endParaRPr lang="LID4096" sz="2000" dirty="0">
+              <a:solidFill>
+                <a:schemeClr val="accent1"/>
+              </a:solidFill>
+              <a:latin typeface="Assistant" panose="00000500000000000000" pitchFamily="2" charset="-79"/>
+              <a:cs typeface="Assistant" panose="00000500000000000000" pitchFamily="2" charset="-79"/>
+            </a:endParaRPr>
+          </a:p>
+        </p:txBody>
+      </p:sp>
     </p:spTree>
     <p:extLst>
       <p:ext uri="{BB962C8B-B14F-4D97-AF65-F5344CB8AC3E}">
@@ -10116,6 +10735,631 @@
   <p:clrMapOvr>
     <a:masterClrMapping/>
   </p:clrMapOvr>
+  <p:timing>
+    <p:tnLst>
+      <p:par>
+        <p:cTn id="1" dur="indefinite" restart="never" nodeType="tmRoot">
+          <p:childTnLst>
+            <p:seq concurrent="1" nextAc="seek">
+              <p:cTn id="2" dur="indefinite" nodeType="mainSeq">
+                <p:childTnLst>
+                  <p:par>
+                    <p:cTn id="3" fill="hold">
+                      <p:stCondLst>
+                        <p:cond delay="indefinite"/>
+                      </p:stCondLst>
+                      <p:childTnLst>
+                        <p:par>
+                          <p:cTn id="4" fill="hold">
+                            <p:stCondLst>
+                              <p:cond delay="0"/>
+                            </p:stCondLst>
+                            <p:childTnLst>
+                              <p:par>
+                                <p:cTn id="5" presetID="10" presetClass="entr" presetSubtype="0" fill="hold" grpId="0" nodeType="clickEffect">
+                                  <p:stCondLst>
+                                    <p:cond delay="0"/>
+                                  </p:stCondLst>
+                                  <p:childTnLst>
+                                    <p:set>
+                                      <p:cBhvr>
+                                        <p:cTn id="6" dur="1" fill="hold">
+                                          <p:stCondLst>
+                                            <p:cond delay="0"/>
+                                          </p:stCondLst>
+                                        </p:cTn>
+                                        <p:tgtEl>
+                                          <p:spTgt spid="21"/>
+                                        </p:tgtEl>
+                                        <p:attrNameLst>
+                                          <p:attrName>style.visibility</p:attrName>
+                                        </p:attrNameLst>
+                                      </p:cBhvr>
+                                      <p:to>
+                                        <p:strVal val="visible"/>
+                                      </p:to>
+                                    </p:set>
+                                    <p:animEffect transition="in" filter="fade">
+                                      <p:cBhvr>
+                                        <p:cTn id="7" dur="500"/>
+                                        <p:tgtEl>
+                                          <p:spTgt spid="21"/>
+                                        </p:tgtEl>
+                                      </p:cBhvr>
+                                    </p:animEffect>
+                                  </p:childTnLst>
+                                </p:cTn>
+                              </p:par>
+                              <p:par>
+                                <p:cTn id="8" presetID="10" presetClass="entr" presetSubtype="0" fill="hold" grpId="0" nodeType="withEffect">
+                                  <p:stCondLst>
+                                    <p:cond delay="0"/>
+                                  </p:stCondLst>
+                                  <p:childTnLst>
+                                    <p:set>
+                                      <p:cBhvr>
+                                        <p:cTn id="9" dur="1" fill="hold">
+                                          <p:stCondLst>
+                                            <p:cond delay="0"/>
+                                          </p:stCondLst>
+                                        </p:cTn>
+                                        <p:tgtEl>
+                                          <p:spTgt spid="20"/>
+                                        </p:tgtEl>
+                                        <p:attrNameLst>
+                                          <p:attrName>style.visibility</p:attrName>
+                                        </p:attrNameLst>
+                                      </p:cBhvr>
+                                      <p:to>
+                                        <p:strVal val="visible"/>
+                                      </p:to>
+                                    </p:set>
+                                    <p:animEffect transition="in" filter="fade">
+                                      <p:cBhvr>
+                                        <p:cTn id="10" dur="500"/>
+                                        <p:tgtEl>
+                                          <p:spTgt spid="20"/>
+                                        </p:tgtEl>
+                                      </p:cBhvr>
+                                    </p:animEffect>
+                                  </p:childTnLst>
+                                </p:cTn>
+                              </p:par>
+                            </p:childTnLst>
+                          </p:cTn>
+                        </p:par>
+                      </p:childTnLst>
+                    </p:cTn>
+                  </p:par>
+                  <p:par>
+                    <p:cTn id="11" fill="hold">
+                      <p:stCondLst>
+                        <p:cond delay="indefinite"/>
+                      </p:stCondLst>
+                      <p:childTnLst>
+                        <p:par>
+                          <p:cTn id="12" fill="hold">
+                            <p:stCondLst>
+                              <p:cond delay="0"/>
+                            </p:stCondLst>
+                            <p:childTnLst>
+                              <p:par>
+                                <p:cTn id="13" presetID="10" presetClass="entr" presetSubtype="0" fill="hold" grpId="0" nodeType="clickEffect">
+                                  <p:stCondLst>
+                                    <p:cond delay="0"/>
+                                  </p:stCondLst>
+                                  <p:childTnLst>
+                                    <p:set>
+                                      <p:cBhvr>
+                                        <p:cTn id="14" dur="1" fill="hold">
+                                          <p:stCondLst>
+                                            <p:cond delay="0"/>
+                                          </p:stCondLst>
+                                        </p:cTn>
+                                        <p:tgtEl>
+                                          <p:spTgt spid="27"/>
+                                        </p:tgtEl>
+                                        <p:attrNameLst>
+                                          <p:attrName>style.visibility</p:attrName>
+                                        </p:attrNameLst>
+                                      </p:cBhvr>
+                                      <p:to>
+                                        <p:strVal val="visible"/>
+                                      </p:to>
+                                    </p:set>
+                                    <p:animEffect transition="in" filter="fade">
+                                      <p:cBhvr>
+                                        <p:cTn id="15" dur="500"/>
+                                        <p:tgtEl>
+                                          <p:spTgt spid="27"/>
+                                        </p:tgtEl>
+                                      </p:cBhvr>
+                                    </p:animEffect>
+                                  </p:childTnLst>
+                                </p:cTn>
+                              </p:par>
+                              <p:par>
+                                <p:cTn id="16" presetID="10" presetClass="entr" presetSubtype="0" fill="hold" grpId="0" nodeType="withEffect">
+                                  <p:stCondLst>
+                                    <p:cond delay="0"/>
+                                  </p:stCondLst>
+                                  <p:childTnLst>
+                                    <p:set>
+                                      <p:cBhvr>
+                                        <p:cTn id="17" dur="1" fill="hold">
+                                          <p:stCondLst>
+                                            <p:cond delay="0"/>
+                                          </p:stCondLst>
+                                        </p:cTn>
+                                        <p:tgtEl>
+                                          <p:spTgt spid="26"/>
+                                        </p:tgtEl>
+                                        <p:attrNameLst>
+                                          <p:attrName>style.visibility</p:attrName>
+                                        </p:attrNameLst>
+                                      </p:cBhvr>
+                                      <p:to>
+                                        <p:strVal val="visible"/>
+                                      </p:to>
+                                    </p:set>
+                                    <p:animEffect transition="in" filter="fade">
+                                      <p:cBhvr>
+                                        <p:cTn id="18" dur="500"/>
+                                        <p:tgtEl>
+                                          <p:spTgt spid="26"/>
+                                        </p:tgtEl>
+                                      </p:cBhvr>
+                                    </p:animEffect>
+                                  </p:childTnLst>
+                                </p:cTn>
+                              </p:par>
+                            </p:childTnLst>
+                          </p:cTn>
+                        </p:par>
+                      </p:childTnLst>
+                    </p:cTn>
+                  </p:par>
+                  <p:par>
+                    <p:cTn id="19" fill="hold">
+                      <p:stCondLst>
+                        <p:cond delay="indefinite"/>
+                      </p:stCondLst>
+                      <p:childTnLst>
+                        <p:par>
+                          <p:cTn id="20" fill="hold">
+                            <p:stCondLst>
+                              <p:cond delay="0"/>
+                            </p:stCondLst>
+                            <p:childTnLst>
+                              <p:par>
+                                <p:cTn id="21" presetID="10" presetClass="entr" presetSubtype="0" fill="hold" grpId="0" nodeType="clickEffect">
+                                  <p:stCondLst>
+                                    <p:cond delay="0"/>
+                                  </p:stCondLst>
+                                  <p:childTnLst>
+                                    <p:set>
+                                      <p:cBhvr>
+                                        <p:cTn id="22" dur="1" fill="hold">
+                                          <p:stCondLst>
+                                            <p:cond delay="0"/>
+                                          </p:stCondLst>
+                                        </p:cTn>
+                                        <p:tgtEl>
+                                          <p:spTgt spid="29"/>
+                                        </p:tgtEl>
+                                        <p:attrNameLst>
+                                          <p:attrName>style.visibility</p:attrName>
+                                        </p:attrNameLst>
+                                      </p:cBhvr>
+                                      <p:to>
+                                        <p:strVal val="visible"/>
+                                      </p:to>
+                                    </p:set>
+                                    <p:animEffect transition="in" filter="fade">
+                                      <p:cBhvr>
+                                        <p:cTn id="23" dur="500"/>
+                                        <p:tgtEl>
+                                          <p:spTgt spid="29"/>
+                                        </p:tgtEl>
+                                      </p:cBhvr>
+                                    </p:animEffect>
+                                  </p:childTnLst>
+                                </p:cTn>
+                              </p:par>
+                              <p:par>
+                                <p:cTn id="24" presetID="10" presetClass="entr" presetSubtype="0" fill="hold" grpId="0" nodeType="withEffect">
+                                  <p:stCondLst>
+                                    <p:cond delay="0"/>
+                                  </p:stCondLst>
+                                  <p:childTnLst>
+                                    <p:set>
+                                      <p:cBhvr>
+                                        <p:cTn id="25" dur="1" fill="hold">
+                                          <p:stCondLst>
+                                            <p:cond delay="0"/>
+                                          </p:stCondLst>
+                                        </p:cTn>
+                                        <p:tgtEl>
+                                          <p:spTgt spid="28"/>
+                                        </p:tgtEl>
+                                        <p:attrNameLst>
+                                          <p:attrName>style.visibility</p:attrName>
+                                        </p:attrNameLst>
+                                      </p:cBhvr>
+                                      <p:to>
+                                        <p:strVal val="visible"/>
+                                      </p:to>
+                                    </p:set>
+                                    <p:animEffect transition="in" filter="fade">
+                                      <p:cBhvr>
+                                        <p:cTn id="26" dur="500"/>
+                                        <p:tgtEl>
+                                          <p:spTgt spid="28"/>
+                                        </p:tgtEl>
+                                      </p:cBhvr>
+                                    </p:animEffect>
+                                  </p:childTnLst>
+                                </p:cTn>
+                              </p:par>
+                            </p:childTnLst>
+                          </p:cTn>
+                        </p:par>
+                      </p:childTnLst>
+                    </p:cTn>
+                  </p:par>
+                  <p:par>
+                    <p:cTn id="27" fill="hold">
+                      <p:stCondLst>
+                        <p:cond delay="indefinite"/>
+                      </p:stCondLst>
+                      <p:childTnLst>
+                        <p:par>
+                          <p:cTn id="28" fill="hold">
+                            <p:stCondLst>
+                              <p:cond delay="0"/>
+                            </p:stCondLst>
+                            <p:childTnLst>
+                              <p:par>
+                                <p:cTn id="29" presetID="10" presetClass="entr" presetSubtype="0" fill="hold" grpId="0" nodeType="clickEffect">
+                                  <p:stCondLst>
+                                    <p:cond delay="0"/>
+                                  </p:stCondLst>
+                                  <p:childTnLst>
+                                    <p:set>
+                                      <p:cBhvr>
+                                        <p:cTn id="30" dur="1" fill="hold">
+                                          <p:stCondLst>
+                                            <p:cond delay="0"/>
+                                          </p:stCondLst>
+                                        </p:cTn>
+                                        <p:tgtEl>
+                                          <p:spTgt spid="31"/>
+                                        </p:tgtEl>
+                                        <p:attrNameLst>
+                                          <p:attrName>style.visibility</p:attrName>
+                                        </p:attrNameLst>
+                                      </p:cBhvr>
+                                      <p:to>
+                                        <p:strVal val="visible"/>
+                                      </p:to>
+                                    </p:set>
+                                    <p:animEffect transition="in" filter="fade">
+                                      <p:cBhvr>
+                                        <p:cTn id="31" dur="500"/>
+                                        <p:tgtEl>
+                                          <p:spTgt spid="31"/>
+                                        </p:tgtEl>
+                                      </p:cBhvr>
+                                    </p:animEffect>
+                                  </p:childTnLst>
+                                </p:cTn>
+                              </p:par>
+                              <p:par>
+                                <p:cTn id="32" presetID="10" presetClass="entr" presetSubtype="0" fill="hold" grpId="0" nodeType="withEffect">
+                                  <p:stCondLst>
+                                    <p:cond delay="0"/>
+                                  </p:stCondLst>
+                                  <p:childTnLst>
+                                    <p:set>
+                                      <p:cBhvr>
+                                        <p:cTn id="33" dur="1" fill="hold">
+                                          <p:stCondLst>
+                                            <p:cond delay="0"/>
+                                          </p:stCondLst>
+                                        </p:cTn>
+                                        <p:tgtEl>
+                                          <p:spTgt spid="30"/>
+                                        </p:tgtEl>
+                                        <p:attrNameLst>
+                                          <p:attrName>style.visibility</p:attrName>
+                                        </p:attrNameLst>
+                                      </p:cBhvr>
+                                      <p:to>
+                                        <p:strVal val="visible"/>
+                                      </p:to>
+                                    </p:set>
+                                    <p:animEffect transition="in" filter="fade">
+                                      <p:cBhvr>
+                                        <p:cTn id="34" dur="500"/>
+                                        <p:tgtEl>
+                                          <p:spTgt spid="30"/>
+                                        </p:tgtEl>
+                                      </p:cBhvr>
+                                    </p:animEffect>
+                                  </p:childTnLst>
+                                </p:cTn>
+                              </p:par>
+                            </p:childTnLst>
+                          </p:cTn>
+                        </p:par>
+                      </p:childTnLst>
+                    </p:cTn>
+                  </p:par>
+                  <p:par>
+                    <p:cTn id="35" fill="hold">
+                      <p:stCondLst>
+                        <p:cond delay="indefinite"/>
+                      </p:stCondLst>
+                      <p:childTnLst>
+                        <p:par>
+                          <p:cTn id="36" fill="hold">
+                            <p:stCondLst>
+                              <p:cond delay="0"/>
+                            </p:stCondLst>
+                            <p:childTnLst>
+                              <p:par>
+                                <p:cTn id="37" presetID="10" presetClass="entr" presetSubtype="0" fill="hold" grpId="0" nodeType="clickEffect">
+                                  <p:stCondLst>
+                                    <p:cond delay="0"/>
+                                  </p:stCondLst>
+                                  <p:childTnLst>
+                                    <p:set>
+                                      <p:cBhvr>
+                                        <p:cTn id="38" dur="1" fill="hold">
+                                          <p:stCondLst>
+                                            <p:cond delay="0"/>
+                                          </p:stCondLst>
+                                        </p:cTn>
+                                        <p:tgtEl>
+                                          <p:spTgt spid="32"/>
+                                        </p:tgtEl>
+                                        <p:attrNameLst>
+                                          <p:attrName>style.visibility</p:attrName>
+                                        </p:attrNameLst>
+                                      </p:cBhvr>
+                                      <p:to>
+                                        <p:strVal val="visible"/>
+                                      </p:to>
+                                    </p:set>
+                                    <p:animEffect transition="in" filter="fade">
+                                      <p:cBhvr>
+                                        <p:cTn id="39" dur="500"/>
+                                        <p:tgtEl>
+                                          <p:spTgt spid="32"/>
+                                        </p:tgtEl>
+                                      </p:cBhvr>
+                                    </p:animEffect>
+                                  </p:childTnLst>
+                                </p:cTn>
+                              </p:par>
+                            </p:childTnLst>
+                          </p:cTn>
+                        </p:par>
+                      </p:childTnLst>
+                    </p:cTn>
+                  </p:par>
+                  <p:par>
+                    <p:cTn id="40" fill="hold">
+                      <p:stCondLst>
+                        <p:cond delay="indefinite"/>
+                      </p:stCondLst>
+                      <p:childTnLst>
+                        <p:par>
+                          <p:cTn id="41" fill="hold">
+                            <p:stCondLst>
+                              <p:cond delay="0"/>
+                            </p:stCondLst>
+                            <p:childTnLst>
+                              <p:par>
+                                <p:cTn id="42" presetID="10" presetClass="entr" presetSubtype="0" fill="hold" grpId="0" nodeType="clickEffect">
+                                  <p:stCondLst>
+                                    <p:cond delay="0"/>
+                                  </p:stCondLst>
+                                  <p:childTnLst>
+                                    <p:set>
+                                      <p:cBhvr>
+                                        <p:cTn id="43" dur="1" fill="hold">
+                                          <p:stCondLst>
+                                            <p:cond delay="0"/>
+                                          </p:stCondLst>
+                                        </p:cTn>
+                                        <p:tgtEl>
+                                          <p:spTgt spid="34"/>
+                                        </p:tgtEl>
+                                        <p:attrNameLst>
+                                          <p:attrName>style.visibility</p:attrName>
+                                        </p:attrNameLst>
+                                      </p:cBhvr>
+                                      <p:to>
+                                        <p:strVal val="visible"/>
+                                      </p:to>
+                                    </p:set>
+                                    <p:animEffect transition="in" filter="fade">
+                                      <p:cBhvr>
+                                        <p:cTn id="44" dur="500"/>
+                                        <p:tgtEl>
+                                          <p:spTgt spid="34"/>
+                                        </p:tgtEl>
+                                      </p:cBhvr>
+                                    </p:animEffect>
+                                  </p:childTnLst>
+                                </p:cTn>
+                              </p:par>
+                              <p:par>
+                                <p:cTn id="45" presetID="10" presetClass="entr" presetSubtype="0" fill="hold" grpId="0" nodeType="withEffect">
+                                  <p:stCondLst>
+                                    <p:cond delay="0"/>
+                                  </p:stCondLst>
+                                  <p:childTnLst>
+                                    <p:set>
+                                      <p:cBhvr>
+                                        <p:cTn id="46" dur="1" fill="hold">
+                                          <p:stCondLst>
+                                            <p:cond delay="0"/>
+                                          </p:stCondLst>
+                                        </p:cTn>
+                                        <p:tgtEl>
+                                          <p:spTgt spid="33"/>
+                                        </p:tgtEl>
+                                        <p:attrNameLst>
+                                          <p:attrName>style.visibility</p:attrName>
+                                        </p:attrNameLst>
+                                      </p:cBhvr>
+                                      <p:to>
+                                        <p:strVal val="visible"/>
+                                      </p:to>
+                                    </p:set>
+                                    <p:animEffect transition="in" filter="fade">
+                                      <p:cBhvr>
+                                        <p:cTn id="47" dur="500"/>
+                                        <p:tgtEl>
+                                          <p:spTgt spid="33"/>
+                                        </p:tgtEl>
+                                      </p:cBhvr>
+                                    </p:animEffect>
+                                  </p:childTnLst>
+                                </p:cTn>
+                              </p:par>
+                            </p:childTnLst>
+                          </p:cTn>
+                        </p:par>
+                      </p:childTnLst>
+                    </p:cTn>
+                  </p:par>
+                  <p:par>
+                    <p:cTn id="48" fill="hold">
+                      <p:stCondLst>
+                        <p:cond delay="indefinite"/>
+                      </p:stCondLst>
+                      <p:childTnLst>
+                        <p:par>
+                          <p:cTn id="49" fill="hold">
+                            <p:stCondLst>
+                              <p:cond delay="0"/>
+                            </p:stCondLst>
+                            <p:childTnLst>
+                              <p:par>
+                                <p:cTn id="50" presetID="10" presetClass="entr" presetSubtype="0" fill="hold" grpId="0" nodeType="clickEffect">
+                                  <p:stCondLst>
+                                    <p:cond delay="0"/>
+                                  </p:stCondLst>
+                                  <p:childTnLst>
+                                    <p:set>
+                                      <p:cBhvr>
+                                        <p:cTn id="51" dur="1" fill="hold">
+                                          <p:stCondLst>
+                                            <p:cond delay="0"/>
+                                          </p:stCondLst>
+                                        </p:cTn>
+                                        <p:tgtEl>
+                                          <p:spTgt spid="39"/>
+                                        </p:tgtEl>
+                                        <p:attrNameLst>
+                                          <p:attrName>style.visibility</p:attrName>
+                                        </p:attrNameLst>
+                                      </p:cBhvr>
+                                      <p:to>
+                                        <p:strVal val="visible"/>
+                                      </p:to>
+                                    </p:set>
+                                    <p:animEffect transition="in" filter="fade">
+                                      <p:cBhvr>
+                                        <p:cTn id="52" dur="500"/>
+                                        <p:tgtEl>
+                                          <p:spTgt spid="39"/>
+                                        </p:tgtEl>
+                                      </p:cBhvr>
+                                    </p:animEffect>
+                                  </p:childTnLst>
+                                </p:cTn>
+                              </p:par>
+                              <p:par>
+                                <p:cTn id="53" presetID="10" presetClass="entr" presetSubtype="0" fill="hold" nodeType="withEffect">
+                                  <p:stCondLst>
+                                    <p:cond delay="0"/>
+                                  </p:stCondLst>
+                                  <p:childTnLst>
+                                    <p:set>
+                                      <p:cBhvr>
+                                        <p:cTn id="54" dur="1" fill="hold">
+                                          <p:stCondLst>
+                                            <p:cond delay="0"/>
+                                          </p:stCondLst>
+                                        </p:cTn>
+                                        <p:tgtEl>
+                                          <p:spTgt spid="23"/>
+                                        </p:tgtEl>
+                                        <p:attrNameLst>
+                                          <p:attrName>style.visibility</p:attrName>
+                                        </p:attrNameLst>
+                                      </p:cBhvr>
+                                      <p:to>
+                                        <p:strVal val="visible"/>
+                                      </p:to>
+                                    </p:set>
+                                    <p:animEffect transition="in" filter="fade">
+                                      <p:cBhvr>
+                                        <p:cTn id="55" dur="500"/>
+                                        <p:tgtEl>
+                                          <p:spTgt spid="23"/>
+                                        </p:tgtEl>
+                                      </p:cBhvr>
+                                    </p:animEffect>
+                                  </p:childTnLst>
+                                </p:cTn>
+                              </p:par>
+                            </p:childTnLst>
+                          </p:cTn>
+                        </p:par>
+                      </p:childTnLst>
+                    </p:cTn>
+                  </p:par>
+                </p:childTnLst>
+              </p:cTn>
+              <p:prevCondLst>
+                <p:cond evt="onPrev" delay="0">
+                  <p:tgtEl>
+                    <p:sldTgt/>
+                  </p:tgtEl>
+                </p:cond>
+              </p:prevCondLst>
+              <p:nextCondLst>
+                <p:cond evt="onNext" delay="0">
+                  <p:tgtEl>
+                    <p:sldTgt/>
+                  </p:tgtEl>
+                </p:cond>
+              </p:nextCondLst>
+            </p:seq>
+          </p:childTnLst>
+        </p:cTn>
+      </p:par>
+    </p:tnLst>
+    <p:bldLst>
+      <p:bldP spid="20" grpId="0" animBg="1"/>
+      <p:bldP spid="21" grpId="0"/>
+      <p:bldP spid="26" grpId="0" animBg="1"/>
+      <p:bldP spid="27" grpId="0"/>
+      <p:bldP spid="28" grpId="0" animBg="1"/>
+      <p:bldP spid="29" grpId="0"/>
+      <p:bldP spid="30" grpId="0" animBg="1"/>
+      <p:bldP spid="31" grpId="0"/>
+      <p:bldP spid="32" grpId="0"/>
+      <p:bldP spid="33" grpId="0" animBg="1"/>
+      <p:bldP spid="34" grpId="0"/>
+      <p:bldP spid="39" grpId="0"/>
+    </p:bldLst>
+  </p:timing>
 </p:sld>
 </file>
 
@@ -10388,7 +11632,7 @@
                 <a:latin typeface="Assistant" panose="00000500000000000000" pitchFamily="2" charset="-79"/>
                 <a:cs typeface="Assistant" panose="00000500000000000000" pitchFamily="2" charset="-79"/>
               </a:rPr>
-              <a:t> is used between blocks for regularization to prevent overfitting.</a:t>
+              <a:t> is used between blocks for regularization and to prevent overfitting.</a:t>
             </a:r>
           </a:p>
           <a:p>
@@ -10646,7 +11890,7 @@
                 <a:latin typeface="Assistant" panose="00000500000000000000" pitchFamily="2" charset="-79"/>
                 <a:cs typeface="Assistant" panose="00000500000000000000" pitchFamily="2" charset="-79"/>
               </a:rPr>
-              <a:t>The model is trained using a categorical cross-entropy loss function, suitable for multi-class classification tasks</a:t>
+              <a:t>The model is trained using a categorical cross-entropy loss function, suitable for multi-class classification tasks.</a:t>
             </a:r>
           </a:p>
           <a:p>
@@ -10664,7 +11908,7 @@
                 <a:latin typeface="Assistant" panose="00000500000000000000" pitchFamily="2" charset="-79"/>
                 <a:cs typeface="Assistant" panose="00000500000000000000" pitchFamily="2" charset="-79"/>
               </a:rPr>
-              <a:t>We used the RMSprop optimizer, with an initial learning rate set to 0.001</a:t>
+              <a:t>We used the RMSprop optimizer, with an initial learning rate set to 0.001 .</a:t>
             </a:r>
           </a:p>
           <a:p>
@@ -10700,7 +11944,7 @@
                 <a:latin typeface="Assistant" panose="00000500000000000000" pitchFamily="2" charset="-79"/>
                 <a:cs typeface="Assistant" panose="00000500000000000000" pitchFamily="2" charset="-79"/>
               </a:rPr>
-              <a:t>The training process involved mini-batch sizes of 64 and the model was trained for 30 epochs</a:t>
+              <a:t>The training process involved mini-batch sizes of 64 and the model was trained for 30 epochs.</a:t>
             </a:r>
             <a:endParaRPr lang="en-US" sz="1600" i="0" dirty="0">
               <a:solidFill>
@@ -11089,7 +12333,7 @@
         <p:spPr>
           <a:xfrm>
             <a:off x="838199" y="1569388"/>
-            <a:ext cx="11353801" cy="5107184"/>
+            <a:ext cx="8799577" cy="5107184"/>
           </a:xfrm>
           <a:prstGeom prst="rect">
             <a:avLst/>
@@ -11184,7 +12428,7 @@
                 <a:latin typeface="Assistant" panose="00000500000000000000" pitchFamily="2" charset="-79"/>
                 <a:cs typeface="Assistant" panose="00000500000000000000" pitchFamily="2" charset="-79"/>
               </a:rPr>
-              <a:t>If the validation loss stops improving, then by lowering the learning rate the model can more precisely converge.</a:t>
+              <a:t>Even though optimizers change the coefficient of LR along the training, changing the LR itself can improve the training as well.</a:t>
             </a:r>
           </a:p>
           <a:p>
@@ -11223,7 +12467,7 @@
                 <a:latin typeface="Assistant" panose="00000500000000000000" pitchFamily="2" charset="-79"/>
                 <a:cs typeface="Assistant" panose="00000500000000000000" pitchFamily="2" charset="-79"/>
               </a:rPr>
-              <a:t> By iterating the whole learning process with different hyper parameter there could be found a better performing model.</a:t>
+              <a:t> By iterating the whole learning process with different hyper parameter a better performing model can be found.</a:t>
             </a:r>
           </a:p>
         </p:txBody>
@@ -11299,8 +12543,8 @@
         </p:blipFill>
         <p:spPr bwMode="auto">
           <a:xfrm>
-            <a:off x="3980329" y="4484482"/>
-            <a:ext cx="4231341" cy="2373518"/>
+            <a:off x="4674274" y="5450901"/>
+            <a:ext cx="2843451" cy="1594998"/>
           </a:xfrm>
           <a:prstGeom prst="rect">
             <a:avLst/>
@@ -13442,16 +14686,15 @@
           </p:cNvPicPr>
           <p:nvPr/>
         </p:nvPicPr>
-        <p:blipFill>
+        <p:blipFill rotWithShape="1">
           <a:blip r:embed="rId3"/>
-          <a:stretch>
-            <a:fillRect/>
-          </a:stretch>
+          <a:srcRect l="26350"/>
+          <a:stretch/>
         </p:blipFill>
         <p:spPr>
           <a:xfrm>
-            <a:off x="2059910" y="3615199"/>
-            <a:ext cx="8596544" cy="2944346"/>
+            <a:off x="2600990" y="3642631"/>
+            <a:ext cx="6331342" cy="2944346"/>
           </a:xfrm>
           <a:prstGeom prst="rect">
             <a:avLst/>
